--- a/Speculator Project.pptx
+++ b/Speculator Project.pptx
@@ -123,6 +123,11 @@
       </a:defRPr>
     </a:lvl9pPr>
   </p:defaultTextStyle>
+  <p:extLst>
+    <p:ext uri="{EFAFB233-063F-42B5-8137-9DF3F51BA10A}">
+      <p15:sldGuideLst xmlns:p15="http://schemas.microsoft.com/office/powerpoint/2012/main"/>
+    </p:ext>
+  </p:extLst>
 </p:presentation>
 </file>
 
@@ -315,7 +320,7 @@
             <a:fld id="{B61BEF0D-F0BB-DE4B-95CE-6DB70DBA9567}" type="datetimeFigureOut">
               <a:rPr lang="en-US" dirty="0"/>
               <a:pPr/>
-              <a:t>10/11/18</a:t>
+              <a:t>10/11/2018</a:t>
             </a:fld>
             <a:endParaRPr lang="en-US" dirty="0"/>
           </a:p>
@@ -650,7 +655,7 @@
             <a:fld id="{B61BEF0D-F0BB-DE4B-95CE-6DB70DBA9567}" type="datetimeFigureOut">
               <a:rPr lang="en-US" dirty="0"/>
               <a:pPr/>
-              <a:t>10/11/18</a:t>
+              <a:t>10/11/2018</a:t>
             </a:fld>
             <a:endParaRPr lang="en-US" dirty="0"/>
           </a:p>
@@ -1048,7 +1053,7 @@
             <a:fld id="{B61BEF0D-F0BB-DE4B-95CE-6DB70DBA9567}" type="datetimeFigureOut">
               <a:rPr lang="en-US" dirty="0"/>
               <a:pPr/>
-              <a:t>10/11/18</a:t>
+              <a:t>10/11/2018</a:t>
             </a:fld>
             <a:endParaRPr lang="en-US" dirty="0"/>
           </a:p>
@@ -1381,7 +1386,7 @@
             <a:fld id="{B61BEF0D-F0BB-DE4B-95CE-6DB70DBA9567}" type="datetimeFigureOut">
               <a:rPr lang="en-US" dirty="0"/>
               <a:pPr/>
-              <a:t>10/11/18</a:t>
+              <a:t>10/11/2018</a:t>
             </a:fld>
             <a:endParaRPr lang="en-US" dirty="0"/>
           </a:p>
@@ -1698,7 +1703,7 @@
             <a:fld id="{B61BEF0D-F0BB-DE4B-95CE-6DB70DBA9567}" type="datetimeFigureOut">
               <a:rPr lang="en-US" dirty="0"/>
               <a:pPr/>
-              <a:t>10/11/18</a:t>
+              <a:t>10/11/2018</a:t>
             </a:fld>
             <a:endParaRPr lang="en-US" dirty="0"/>
           </a:p>
@@ -2091,7 +2096,7 @@
             <a:fld id="{B61BEF0D-F0BB-DE4B-95CE-6DB70DBA9567}" type="datetimeFigureOut">
               <a:rPr lang="en-US" dirty="0"/>
               <a:pPr/>
-              <a:t>10/11/18</a:t>
+              <a:t>10/11/2018</a:t>
             </a:fld>
             <a:endParaRPr lang="en-US" dirty="0"/>
           </a:p>
@@ -2345,7 +2350,7 @@
             <a:fld id="{B61BEF0D-F0BB-DE4B-95CE-6DB70DBA9567}" type="datetimeFigureOut">
               <a:rPr lang="en-US" dirty="0"/>
               <a:pPr/>
-              <a:t>10/11/18</a:t>
+              <a:t>10/11/2018</a:t>
             </a:fld>
             <a:endParaRPr lang="en-US" dirty="0"/>
           </a:p>
@@ -2604,7 +2609,7 @@
             <a:fld id="{B61BEF0D-F0BB-DE4B-95CE-6DB70DBA9567}" type="datetimeFigureOut">
               <a:rPr lang="en-US" dirty="0"/>
               <a:pPr/>
-              <a:t>10/11/18</a:t>
+              <a:t>10/11/2018</a:t>
             </a:fld>
             <a:endParaRPr lang="en-US" dirty="0"/>
           </a:p>
@@ -2863,7 +2868,7 @@
             <a:fld id="{B61BEF0D-F0BB-DE4B-95CE-6DB70DBA9567}" type="datetimeFigureOut">
               <a:rPr lang="en-US" dirty="0"/>
               <a:pPr/>
-              <a:t>10/11/18</a:t>
+              <a:t>10/11/2018</a:t>
             </a:fld>
             <a:endParaRPr lang="en-US" dirty="0"/>
           </a:p>
@@ -3189,7 +3194,7 @@
             <a:fld id="{B61BEF0D-F0BB-DE4B-95CE-6DB70DBA9567}" type="datetimeFigureOut">
               <a:rPr lang="en-US" dirty="0"/>
               <a:pPr/>
-              <a:t>10/11/18</a:t>
+              <a:t>10/11/2018</a:t>
             </a:fld>
             <a:endParaRPr lang="en-US" dirty="0"/>
           </a:p>
@@ -3509,7 +3514,7 @@
             <a:fld id="{B61BEF0D-F0BB-DE4B-95CE-6DB70DBA9567}" type="datetimeFigureOut">
               <a:rPr lang="en-US" dirty="0"/>
               <a:pPr/>
-              <a:t>10/11/18</a:t>
+              <a:t>10/11/2018</a:t>
             </a:fld>
             <a:endParaRPr lang="en-US" dirty="0"/>
           </a:p>
@@ -3963,7 +3968,7 @@
             <a:fld id="{B61BEF0D-F0BB-DE4B-95CE-6DB70DBA9567}" type="datetimeFigureOut">
               <a:rPr lang="en-US" dirty="0"/>
               <a:pPr/>
-              <a:t>10/11/18</a:t>
+              <a:t>10/11/2018</a:t>
             </a:fld>
             <a:endParaRPr lang="en-US" dirty="0"/>
           </a:p>
@@ -4165,7 +4170,7 @@
             <a:fld id="{B61BEF0D-F0BB-DE4B-95CE-6DB70DBA9567}" type="datetimeFigureOut">
               <a:rPr lang="en-US" dirty="0"/>
               <a:pPr/>
-              <a:t>10/11/18</a:t>
+              <a:t>10/11/2018</a:t>
             </a:fld>
             <a:endParaRPr lang="en-US" dirty="0"/>
           </a:p>
@@ -4339,7 +4344,7 @@
             <a:fld id="{B61BEF0D-F0BB-DE4B-95CE-6DB70DBA9567}" type="datetimeFigureOut">
               <a:rPr lang="en-US" dirty="0"/>
               <a:pPr/>
-              <a:t>10/11/18</a:t>
+              <a:t>10/11/2018</a:t>
             </a:fld>
             <a:endParaRPr lang="en-US" dirty="0"/>
           </a:p>
@@ -4669,7 +4674,7 @@
             <a:fld id="{B61BEF0D-F0BB-DE4B-95CE-6DB70DBA9567}" type="datetimeFigureOut">
               <a:rPr lang="en-US" dirty="0"/>
               <a:pPr/>
-              <a:t>10/11/18</a:t>
+              <a:t>10/11/2018</a:t>
             </a:fld>
             <a:endParaRPr lang="en-US" dirty="0"/>
           </a:p>
@@ -5011,7 +5016,7 @@
             <a:fld id="{B61BEF0D-F0BB-DE4B-95CE-6DB70DBA9567}" type="datetimeFigureOut">
               <a:rPr lang="en-US" dirty="0"/>
               <a:pPr/>
-              <a:t>10/11/18</a:t>
+              <a:t>10/11/2018</a:t>
             </a:fld>
             <a:endParaRPr lang="en-US" dirty="0"/>
           </a:p>
@@ -7125,7 +7130,7 @@
             <a:fld id="{B61BEF0D-F0BB-DE4B-95CE-6DB70DBA9567}" type="datetimeFigureOut">
               <a:rPr lang="en-US" dirty="0"/>
               <a:pPr/>
-              <a:t>10/11/18</a:t>
+              <a:t>10/11/2018</a:t>
             </a:fld>
             <a:endParaRPr lang="en-US" dirty="0"/>
           </a:p>
@@ -7657,11 +7662,13 @@
         </p:nvSpPr>
         <p:spPr/>
         <p:txBody>
-          <a:bodyPr/>
+          <a:bodyPr>
+            <a:normAutofit/>
+          </a:bodyPr>
           <a:lstStyle/>
           <a:p>
             <a:r>
-              <a:rPr lang="en-US" dirty="0"/>
+              <a:rPr lang="en-US" sz="8000" dirty="0"/>
               <a:t>Team Speculator</a:t>
             </a:r>
           </a:p>
@@ -7683,15 +7690,280 @@
             <p:ph type="subTitle" idx="1"/>
           </p:nvPr>
         </p:nvSpPr>
-        <p:spPr/>
-        <p:txBody>
-          <a:bodyPr/>
+        <p:spPr>
+          <a:xfrm>
+            <a:off x="2589213" y="4766621"/>
+            <a:ext cx="8915399" cy="1126283"/>
+          </a:xfrm>
+        </p:spPr>
+        <p:txBody>
+          <a:bodyPr>
+            <a:normAutofit/>
+          </a:bodyPr>
           <a:lstStyle/>
           <a:p>
             <a:r>
-              <a:rPr lang="en-US" dirty="0"/>
+              <a:rPr lang="en-US" sz="3000" dirty="0"/>
               <a:t>US Trade Data Analysis</a:t>
             </a:r>
+          </a:p>
+        </p:txBody>
+      </p:sp>
+      <p:sp>
+        <p:nvSpPr>
+          <p:cNvPr id="4" name="Subtitle 2">
+            <a:extLst>
+              <a:ext uri="{FF2B5EF4-FFF2-40B4-BE49-F238E27FC236}">
+                <a16:creationId xmlns:a16="http://schemas.microsoft.com/office/drawing/2014/main" id="{1E04C1C5-F3B1-48E8-90D0-D5B11E64ADD6}"/>
+              </a:ext>
+            </a:extLst>
+          </p:cNvPr>
+          <p:cNvSpPr txBox="1">
+            <a:spLocks/>
+          </p:cNvSpPr>
+          <p:nvPr/>
+        </p:nvSpPr>
+        <p:spPr>
+          <a:xfrm>
+            <a:off x="5907947" y="6414334"/>
+            <a:ext cx="6284053" cy="443666"/>
+          </a:xfrm>
+          <a:prstGeom prst="rect">
+            <a:avLst/>
+          </a:prstGeom>
+        </p:spPr>
+        <p:txBody>
+          <a:bodyPr vert="horz" lIns="91440" tIns="45720" rIns="91440" bIns="45720" rtlCol="0" anchor="t">
+            <a:normAutofit/>
+          </a:bodyPr>
+          <a:lstStyle>
+            <a:lvl1pPr marL="0" indent="0" algn="l" defTabSz="457200" rtl="0" eaLnBrk="1" latinLnBrk="0" hangingPunct="1">
+              <a:spcBef>
+                <a:spcPts val="1000"/>
+              </a:spcBef>
+              <a:spcAft>
+                <a:spcPts val="0"/>
+              </a:spcAft>
+              <a:buClr>
+                <a:schemeClr val="accent1"/>
+              </a:buClr>
+              <a:buFont typeface="Wingdings 3" charset="2"/>
+              <a:buNone/>
+              <a:defRPr sz="1800" kern="1200">
+                <a:solidFill>
+                  <a:schemeClr val="tx1">
+                    <a:lumMod val="65000"/>
+                    <a:lumOff val="35000"/>
+                  </a:schemeClr>
+                </a:solidFill>
+                <a:latin typeface="+mn-lt"/>
+                <a:ea typeface="+mn-ea"/>
+                <a:cs typeface="+mn-cs"/>
+              </a:defRPr>
+            </a:lvl1pPr>
+            <a:lvl2pPr marL="457200" indent="0" algn="ctr" defTabSz="457200" rtl="0" eaLnBrk="1" latinLnBrk="0" hangingPunct="1">
+              <a:spcBef>
+                <a:spcPts val="1000"/>
+              </a:spcBef>
+              <a:spcAft>
+                <a:spcPts val="0"/>
+              </a:spcAft>
+              <a:buClr>
+                <a:schemeClr val="accent1"/>
+              </a:buClr>
+              <a:buFont typeface="Wingdings 3" charset="2"/>
+              <a:buNone/>
+              <a:defRPr sz="1600" kern="1200">
+                <a:solidFill>
+                  <a:schemeClr val="tx1">
+                    <a:tint val="75000"/>
+                  </a:schemeClr>
+                </a:solidFill>
+                <a:latin typeface="+mn-lt"/>
+                <a:ea typeface="+mn-ea"/>
+                <a:cs typeface="+mn-cs"/>
+              </a:defRPr>
+            </a:lvl2pPr>
+            <a:lvl3pPr marL="914400" indent="0" algn="ctr" defTabSz="457200" rtl="0" eaLnBrk="1" latinLnBrk="0" hangingPunct="1">
+              <a:spcBef>
+                <a:spcPts val="1000"/>
+              </a:spcBef>
+              <a:spcAft>
+                <a:spcPts val="0"/>
+              </a:spcAft>
+              <a:buClr>
+                <a:schemeClr val="accent1"/>
+              </a:buClr>
+              <a:buFont typeface="Wingdings 3" charset="2"/>
+              <a:buNone/>
+              <a:defRPr sz="1400" kern="1200">
+                <a:solidFill>
+                  <a:schemeClr val="tx1">
+                    <a:tint val="75000"/>
+                  </a:schemeClr>
+                </a:solidFill>
+                <a:latin typeface="+mn-lt"/>
+                <a:ea typeface="+mn-ea"/>
+                <a:cs typeface="+mn-cs"/>
+              </a:defRPr>
+            </a:lvl3pPr>
+            <a:lvl4pPr marL="1371600" indent="0" algn="ctr" defTabSz="457200" rtl="0" eaLnBrk="1" latinLnBrk="0" hangingPunct="1">
+              <a:spcBef>
+                <a:spcPts val="1000"/>
+              </a:spcBef>
+              <a:spcAft>
+                <a:spcPts val="0"/>
+              </a:spcAft>
+              <a:buClr>
+                <a:schemeClr val="accent1"/>
+              </a:buClr>
+              <a:buFont typeface="Wingdings 3" charset="2"/>
+              <a:buNone/>
+              <a:defRPr sz="1200" kern="1200">
+                <a:solidFill>
+                  <a:schemeClr val="tx1">
+                    <a:tint val="75000"/>
+                  </a:schemeClr>
+                </a:solidFill>
+                <a:latin typeface="+mn-lt"/>
+                <a:ea typeface="+mn-ea"/>
+                <a:cs typeface="+mn-cs"/>
+              </a:defRPr>
+            </a:lvl4pPr>
+            <a:lvl5pPr marL="1828800" indent="0" algn="ctr" defTabSz="457200" rtl="0" eaLnBrk="1" latinLnBrk="0" hangingPunct="1">
+              <a:spcBef>
+                <a:spcPts val="1000"/>
+              </a:spcBef>
+              <a:spcAft>
+                <a:spcPts val="0"/>
+              </a:spcAft>
+              <a:buClr>
+                <a:schemeClr val="accent1"/>
+              </a:buClr>
+              <a:buFont typeface="Wingdings 3" charset="2"/>
+              <a:buNone/>
+              <a:defRPr sz="1200" kern="1200">
+                <a:solidFill>
+                  <a:schemeClr val="tx1">
+                    <a:tint val="75000"/>
+                  </a:schemeClr>
+                </a:solidFill>
+                <a:latin typeface="+mn-lt"/>
+                <a:ea typeface="+mn-ea"/>
+                <a:cs typeface="+mn-cs"/>
+              </a:defRPr>
+            </a:lvl5pPr>
+            <a:lvl6pPr marL="2286000" indent="0" algn="ctr" defTabSz="457200" rtl="0" eaLnBrk="1" latinLnBrk="0" hangingPunct="1">
+              <a:spcBef>
+                <a:spcPts val="1000"/>
+              </a:spcBef>
+              <a:spcAft>
+                <a:spcPts val="0"/>
+              </a:spcAft>
+              <a:buClr>
+                <a:schemeClr val="accent1"/>
+              </a:buClr>
+              <a:buFont typeface="Wingdings 3" charset="2"/>
+              <a:buNone/>
+              <a:defRPr sz="1200" kern="1200">
+                <a:solidFill>
+                  <a:schemeClr val="tx1">
+                    <a:tint val="75000"/>
+                  </a:schemeClr>
+                </a:solidFill>
+                <a:latin typeface="+mn-lt"/>
+                <a:ea typeface="+mn-ea"/>
+                <a:cs typeface="+mn-cs"/>
+              </a:defRPr>
+            </a:lvl6pPr>
+            <a:lvl7pPr marL="2743200" indent="0" algn="ctr" defTabSz="457200" rtl="0" eaLnBrk="1" latinLnBrk="0" hangingPunct="1">
+              <a:spcBef>
+                <a:spcPts val="1000"/>
+              </a:spcBef>
+              <a:spcAft>
+                <a:spcPts val="0"/>
+              </a:spcAft>
+              <a:buClr>
+                <a:schemeClr val="accent1"/>
+              </a:buClr>
+              <a:buFont typeface="Wingdings 3" charset="2"/>
+              <a:buNone/>
+              <a:defRPr sz="1200" kern="1200">
+                <a:solidFill>
+                  <a:schemeClr val="tx1">
+                    <a:tint val="75000"/>
+                  </a:schemeClr>
+                </a:solidFill>
+                <a:latin typeface="+mn-lt"/>
+                <a:ea typeface="+mn-ea"/>
+                <a:cs typeface="+mn-cs"/>
+              </a:defRPr>
+            </a:lvl7pPr>
+            <a:lvl8pPr marL="3200400" indent="0" algn="ctr" defTabSz="457200" rtl="0" eaLnBrk="1" latinLnBrk="0" hangingPunct="1">
+              <a:spcBef>
+                <a:spcPts val="1000"/>
+              </a:spcBef>
+              <a:spcAft>
+                <a:spcPts val="0"/>
+              </a:spcAft>
+              <a:buClr>
+                <a:schemeClr val="accent1"/>
+              </a:buClr>
+              <a:buFont typeface="Wingdings 3" charset="2"/>
+              <a:buNone/>
+              <a:defRPr sz="1200" kern="1200">
+                <a:solidFill>
+                  <a:schemeClr val="tx1">
+                    <a:tint val="75000"/>
+                  </a:schemeClr>
+                </a:solidFill>
+                <a:latin typeface="+mn-lt"/>
+                <a:ea typeface="+mn-ea"/>
+                <a:cs typeface="+mn-cs"/>
+              </a:defRPr>
+            </a:lvl8pPr>
+            <a:lvl9pPr marL="3657600" indent="0" algn="ctr" defTabSz="457200" rtl="0" eaLnBrk="1" latinLnBrk="0" hangingPunct="1">
+              <a:spcBef>
+                <a:spcPts val="1000"/>
+              </a:spcBef>
+              <a:spcAft>
+                <a:spcPts val="0"/>
+              </a:spcAft>
+              <a:buClr>
+                <a:schemeClr val="accent1"/>
+              </a:buClr>
+              <a:buFont typeface="Wingdings 3" charset="2"/>
+              <a:buNone/>
+              <a:defRPr sz="1200" kern="1200">
+                <a:solidFill>
+                  <a:schemeClr val="tx1">
+                    <a:tint val="75000"/>
+                  </a:schemeClr>
+                </a:solidFill>
+                <a:latin typeface="+mn-lt"/>
+                <a:ea typeface="+mn-ea"/>
+                <a:cs typeface="+mn-cs"/>
+              </a:defRPr>
+            </a:lvl9pPr>
+          </a:lstStyle>
+          <a:p>
+            <a:r>
+              <a:rPr lang="en-US" sz="2000" dirty="0"/>
+              <a:t>Alex Carter, Justin Kim, Tao </a:t>
+            </a:r>
+            <a:r>
+              <a:rPr lang="en-US" sz="2000" dirty="0" err="1"/>
+              <a:t>Tianyu</a:t>
+            </a:r>
+            <a:r>
+              <a:rPr lang="en-US" sz="2000" dirty="0"/>
+              <a:t>, Mike </a:t>
+            </a:r>
+            <a:r>
+              <a:rPr lang="en-US" sz="2000" dirty="0" err="1"/>
+              <a:t>McPartlin</a:t>
+            </a:r>
+            <a:endParaRPr lang="en-US" sz="2000" dirty="0"/>
           </a:p>
         </p:txBody>
       </p:sp>
